--- a/img/under construction/methodsfigure2.pptx
+++ b/img/under construction/methodsfigure2.pptx
@@ -5,12 +5,13 @@
     <p:sldMasterId id="2147483648" r:id="rId1"/>
   </p:sldMasterIdLst>
   <p:notesMasterIdLst>
-    <p:notesMasterId r:id="rId5"/>
+    <p:notesMasterId r:id="rId6"/>
   </p:notesMasterIdLst>
   <p:sldIdLst>
     <p:sldId id="256" r:id="rId2"/>
     <p:sldId id="257" r:id="rId3"/>
     <p:sldId id="258" r:id="rId4"/>
+    <p:sldId id="259" r:id="rId5"/>
   </p:sldIdLst>
   <p:sldSz cx="12192000" cy="6858000"/>
   <p:notesSz cx="6858000" cy="9144000"/>
@@ -3102,7 +3103,7 @@
           <a:p>
             <a:fld id="{9E96ED68-1843-4A8E-BB76-CAB298806CBA}" type="datetimeFigureOut">
               <a:rPr lang="de-AT" smtClean="0"/>
-              <a:t>12.09.2015</a:t>
+              <a:t>14.09.2015</a:t>
             </a:fld>
             <a:endParaRPr lang="de-AT"/>
           </a:p>
@@ -3585,7 +3586,7 @@
           <a:p>
             <a:fld id="{08B69050-4C52-40DC-A6C3-DE19261D3078}" type="datetimeFigureOut">
               <a:rPr lang="de-AT" smtClean="0"/>
-              <a:t>12.09.2015</a:t>
+              <a:t>14.09.2015</a:t>
             </a:fld>
             <a:endParaRPr lang="de-AT"/>
           </a:p>
@@ -3755,7 +3756,7 @@
           <a:p>
             <a:fld id="{08B69050-4C52-40DC-A6C3-DE19261D3078}" type="datetimeFigureOut">
               <a:rPr lang="de-AT" smtClean="0"/>
-              <a:t>12.09.2015</a:t>
+              <a:t>14.09.2015</a:t>
             </a:fld>
             <a:endParaRPr lang="de-AT"/>
           </a:p>
@@ -3935,7 +3936,7 @@
           <a:p>
             <a:fld id="{08B69050-4C52-40DC-A6C3-DE19261D3078}" type="datetimeFigureOut">
               <a:rPr lang="de-AT" smtClean="0"/>
-              <a:t>12.09.2015</a:t>
+              <a:t>14.09.2015</a:t>
             </a:fld>
             <a:endParaRPr lang="de-AT"/>
           </a:p>
@@ -4105,7 +4106,7 @@
           <a:p>
             <a:fld id="{08B69050-4C52-40DC-A6C3-DE19261D3078}" type="datetimeFigureOut">
               <a:rPr lang="de-AT" smtClean="0"/>
-              <a:t>12.09.2015</a:t>
+              <a:t>14.09.2015</a:t>
             </a:fld>
             <a:endParaRPr lang="de-AT"/>
           </a:p>
@@ -4351,7 +4352,7 @@
           <a:p>
             <a:fld id="{08B69050-4C52-40DC-A6C3-DE19261D3078}" type="datetimeFigureOut">
               <a:rPr lang="de-AT" smtClean="0"/>
-              <a:t>12.09.2015</a:t>
+              <a:t>14.09.2015</a:t>
             </a:fld>
             <a:endParaRPr lang="de-AT"/>
           </a:p>
@@ -4583,7 +4584,7 @@
           <a:p>
             <a:fld id="{08B69050-4C52-40DC-A6C3-DE19261D3078}" type="datetimeFigureOut">
               <a:rPr lang="de-AT" smtClean="0"/>
-              <a:t>12.09.2015</a:t>
+              <a:t>14.09.2015</a:t>
             </a:fld>
             <a:endParaRPr lang="de-AT"/>
           </a:p>
@@ -4950,7 +4951,7 @@
           <a:p>
             <a:fld id="{08B69050-4C52-40DC-A6C3-DE19261D3078}" type="datetimeFigureOut">
               <a:rPr lang="de-AT" smtClean="0"/>
-              <a:t>12.09.2015</a:t>
+              <a:t>14.09.2015</a:t>
             </a:fld>
             <a:endParaRPr lang="de-AT"/>
           </a:p>
@@ -5068,7 +5069,7 @@
           <a:p>
             <a:fld id="{08B69050-4C52-40DC-A6C3-DE19261D3078}" type="datetimeFigureOut">
               <a:rPr lang="de-AT" smtClean="0"/>
-              <a:t>12.09.2015</a:t>
+              <a:t>14.09.2015</a:t>
             </a:fld>
             <a:endParaRPr lang="de-AT"/>
           </a:p>
@@ -5163,7 +5164,7 @@
           <a:p>
             <a:fld id="{08B69050-4C52-40DC-A6C3-DE19261D3078}" type="datetimeFigureOut">
               <a:rPr lang="de-AT" smtClean="0"/>
-              <a:t>12.09.2015</a:t>
+              <a:t>14.09.2015</a:t>
             </a:fld>
             <a:endParaRPr lang="de-AT"/>
           </a:p>
@@ -5440,7 +5441,7 @@
           <a:p>
             <a:fld id="{08B69050-4C52-40DC-A6C3-DE19261D3078}" type="datetimeFigureOut">
               <a:rPr lang="de-AT" smtClean="0"/>
-              <a:t>12.09.2015</a:t>
+              <a:t>14.09.2015</a:t>
             </a:fld>
             <a:endParaRPr lang="de-AT"/>
           </a:p>
@@ -5693,7 +5694,7 @@
           <a:p>
             <a:fld id="{08B69050-4C52-40DC-A6C3-DE19261D3078}" type="datetimeFigureOut">
               <a:rPr lang="de-AT" smtClean="0"/>
-              <a:t>12.09.2015</a:t>
+              <a:t>14.09.2015</a:t>
             </a:fld>
             <a:endParaRPr lang="de-AT"/>
           </a:p>
@@ -5906,7 +5907,7 @@
           <a:p>
             <a:fld id="{08B69050-4C52-40DC-A6C3-DE19261D3078}" type="datetimeFigureOut">
               <a:rPr lang="de-AT" smtClean="0"/>
-              <a:t>12.09.2015</a:t>
+              <a:t>14.09.2015</a:t>
             </a:fld>
             <a:endParaRPr lang="de-AT"/>
           </a:p>
@@ -8262,8 +8263,8 @@
         </p:nvSpPr>
         <p:spPr>
           <a:xfrm>
-            <a:off x="971550" y="304800"/>
-            <a:ext cx="10476590" cy="1666875"/>
+            <a:off x="981075" y="612538"/>
+            <a:ext cx="10476590" cy="1340998"/>
           </a:xfrm>
           <a:prstGeom prst="triangle">
             <a:avLst/>
@@ -8372,8 +8373,8 @@
         </p:nvSpPr>
         <p:spPr>
           <a:xfrm>
-            <a:off x="719138" y="6191251"/>
-            <a:ext cx="10938536" cy="390524"/>
+            <a:off x="719138" y="6191252"/>
+            <a:ext cx="10938536" cy="172406"/>
           </a:xfrm>
           <a:prstGeom prst="rect">
             <a:avLst/>
@@ -8558,48 +8559,6 @@
       </p:sp>
       <p:sp>
         <p:nvSpPr>
-          <p:cNvPr id="12" name="Textfeld 11"/>
-          <p:cNvSpPr txBox="1"/>
-          <p:nvPr/>
-        </p:nvSpPr>
-        <p:spPr>
-          <a:xfrm>
-            <a:off x="4669168" y="794802"/>
-            <a:ext cx="3392532" cy="1138773"/>
-          </a:xfrm>
-          <a:prstGeom prst="rect">
-            <a:avLst/>
-          </a:prstGeom>
-          <a:noFill/>
-        </p:spPr>
-        <p:txBody>
-          <a:bodyPr wrap="none" rtlCol="0">
-            <a:spAutoFit/>
-          </a:bodyPr>
-          <a:lstStyle/>
-          <a:p>
-            <a:r>
-              <a:rPr lang="en-GB" sz="2800" dirty="0" smtClean="0"/>
-              <a:t>Cognitive architecture</a:t>
-            </a:r>
-          </a:p>
-          <a:p>
-            <a:r>
-              <a:rPr lang="en-GB" dirty="0" smtClean="0"/>
-              <a:t>functioning in noisy environments</a:t>
-            </a:r>
-          </a:p>
-          <a:p>
-            <a:r>
-              <a:rPr lang="en-GB" sz="2200" dirty="0" smtClean="0"/>
-              <a:t>using Bayesian mechanisms</a:t>
-            </a:r>
-            <a:endParaRPr lang="en-GB" sz="2200" dirty="0"/>
-          </a:p>
-        </p:txBody>
-      </p:sp>
-      <p:sp>
-        <p:nvSpPr>
           <p:cNvPr id="16" name="Rechteck 15"/>
           <p:cNvSpPr/>
           <p:nvPr/>
@@ -9020,7 +8979,6 @@
               <a:rPr lang="en-GB" sz="2400" dirty="0" smtClean="0"/>
               <a:t>Computational</a:t>
             </a:r>
-            <a:endParaRPr lang="en-GB" sz="2400" dirty="0" smtClean="0"/>
           </a:p>
         </p:txBody>
       </p:sp>
@@ -10195,10 +10153,153 @@
           </a:p>
         </p:txBody>
       </p:sp>
+      <p:sp>
+        <p:nvSpPr>
+          <p:cNvPr id="56" name="Gleichschenkliges Dreieck 55"/>
+          <p:cNvSpPr/>
+          <p:nvPr/>
+        </p:nvSpPr>
+        <p:spPr>
+          <a:xfrm>
+            <a:off x="3398796" y="622948"/>
+            <a:ext cx="5643601" cy="722378"/>
+          </a:xfrm>
+          <a:prstGeom prst="triangle">
+            <a:avLst/>
+          </a:prstGeom>
+          <a:gradFill>
+            <a:gsLst>
+              <a:gs pos="0">
+                <a:schemeClr val="bg1">
+                  <a:lumMod val="95000"/>
+                </a:schemeClr>
+              </a:gs>
+              <a:gs pos="50000">
+                <a:schemeClr val="bg1">
+                  <a:lumMod val="75000"/>
+                </a:schemeClr>
+              </a:gs>
+              <a:gs pos="100000">
+                <a:schemeClr val="bg1">
+                  <a:lumMod val="65000"/>
+                </a:schemeClr>
+              </a:gs>
+            </a:gsLst>
+          </a:gradFill>
+          <a:ln>
+            <a:noFill/>
+          </a:ln>
+        </p:spPr>
+        <p:style>
+          <a:lnRef idx="1">
+            <a:schemeClr val="accent1"/>
+          </a:lnRef>
+          <a:fillRef idx="2">
+            <a:schemeClr val="accent1"/>
+          </a:fillRef>
+          <a:effectRef idx="1">
+            <a:schemeClr val="accent1"/>
+          </a:effectRef>
+          <a:fontRef idx="minor">
+            <a:schemeClr val="dk1"/>
+          </a:fontRef>
+        </p:style>
+        <p:txBody>
+          <a:bodyPr rtlCol="0" anchor="ctr"/>
+          <a:lstStyle/>
+          <a:p>
+            <a:pPr algn="ctr"/>
+            <a:endParaRPr lang="en-GB"/>
+          </a:p>
+        </p:txBody>
+      </p:sp>
+      <p:sp>
+        <p:nvSpPr>
+          <p:cNvPr id="12" name="Textfeld 11"/>
+          <p:cNvSpPr txBox="1"/>
+          <p:nvPr/>
+        </p:nvSpPr>
+        <p:spPr>
+          <a:xfrm>
+            <a:off x="2857109" y="871078"/>
+            <a:ext cx="6942676" cy="1077218"/>
+          </a:xfrm>
+          <a:prstGeom prst="rect">
+            <a:avLst/>
+          </a:prstGeom>
+          <a:noFill/>
+        </p:spPr>
+        <p:txBody>
+          <a:bodyPr wrap="square" rtlCol="0">
+            <a:spAutoFit/>
+          </a:bodyPr>
+          <a:lstStyle/>
+          <a:p>
+            <a:pPr algn="ctr"/>
+            <a:r>
+              <a:rPr lang="en-GB" sz="2800" dirty="0" smtClean="0"/>
+              <a:t>Cognitive architecture</a:t>
+            </a:r>
+          </a:p>
+          <a:p>
+            <a:pPr algn="ctr"/>
+            <a:r>
+              <a:rPr lang="en-GB" dirty="0" smtClean="0"/>
+              <a:t>embodied on a robot,</a:t>
+            </a:r>
+          </a:p>
+          <a:p>
+            <a:pPr algn="ctr"/>
+            <a:r>
+              <a:rPr lang="en-GB" dirty="0"/>
+              <a:t>functioning in </a:t>
+            </a:r>
+            <a:r>
+              <a:rPr lang="en-GB" dirty="0" smtClean="0"/>
+              <a:t>realistic environments </a:t>
+            </a:r>
+            <a:r>
+              <a:rPr lang="de-AT" dirty="0" smtClean="0"/>
+              <a:t>using Bayesian mechanisms</a:t>
+            </a:r>
+            <a:endParaRPr lang="en-GB" dirty="0" smtClean="0"/>
+          </a:p>
+        </p:txBody>
+      </p:sp>
     </p:spTree>
     <p:extLst>
       <p:ext uri="{BB962C8B-B14F-4D97-AF65-F5344CB8AC3E}">
         <p14:creationId xmlns:p14="http://schemas.microsoft.com/office/powerpoint/2010/main" val="1115420880"/>
+      </p:ext>
+    </p:extLst>
+  </p:cSld>
+  <p:clrMapOvr>
+    <a:masterClrMapping/>
+  </p:clrMapOvr>
+</p:sld>
+</file>
+
+<file path=ppt/slides/slide4.xml><?xml version="1.0" encoding="utf-8"?>
+<p:sld xmlns:a="http://schemas.openxmlformats.org/drawingml/2006/main" xmlns:r="http://schemas.openxmlformats.org/officeDocument/2006/relationships" xmlns:p="http://schemas.openxmlformats.org/presentationml/2006/main">
+  <p:cSld>
+    <p:spTree>
+      <p:nvGrpSpPr>
+        <p:cNvPr id="1" name=""/>
+        <p:cNvGrpSpPr/>
+        <p:nvPr/>
+      </p:nvGrpSpPr>
+      <p:grpSpPr>
+        <a:xfrm>
+          <a:off x="0" y="0"/>
+          <a:ext cx="0" cy="0"/>
+          <a:chOff x="0" y="0"/>
+          <a:chExt cx="0" cy="0"/>
+        </a:xfrm>
+      </p:grpSpPr>
+    </p:spTree>
+    <p:extLst>
+      <p:ext uri="{BB962C8B-B14F-4D97-AF65-F5344CB8AC3E}">
+        <p14:creationId xmlns:p14="http://schemas.microsoft.com/office/powerpoint/2010/main" val="898619022"/>
       </p:ext>
     </p:extLst>
   </p:cSld>

--- a/img/under construction/methodsfigure2.pptx
+++ b/img/under construction/methodsfigure2.pptx
@@ -3103,7 +3103,7 @@
           <a:p>
             <a:fld id="{9E96ED68-1843-4A8E-BB76-CAB298806CBA}" type="datetimeFigureOut">
               <a:rPr lang="de-AT" smtClean="0"/>
-              <a:t>14.09.2015</a:t>
+              <a:t>21.09.2015</a:t>
             </a:fld>
             <a:endParaRPr lang="de-AT"/>
           </a:p>
@@ -3586,7 +3586,7 @@
           <a:p>
             <a:fld id="{08B69050-4C52-40DC-A6C3-DE19261D3078}" type="datetimeFigureOut">
               <a:rPr lang="de-AT" smtClean="0"/>
-              <a:t>14.09.2015</a:t>
+              <a:t>21.09.2015</a:t>
             </a:fld>
             <a:endParaRPr lang="de-AT"/>
           </a:p>
@@ -3756,7 +3756,7 @@
           <a:p>
             <a:fld id="{08B69050-4C52-40DC-A6C3-DE19261D3078}" type="datetimeFigureOut">
               <a:rPr lang="de-AT" smtClean="0"/>
-              <a:t>14.09.2015</a:t>
+              <a:t>21.09.2015</a:t>
             </a:fld>
             <a:endParaRPr lang="de-AT"/>
           </a:p>
@@ -3936,7 +3936,7 @@
           <a:p>
             <a:fld id="{08B69050-4C52-40DC-A6C3-DE19261D3078}" type="datetimeFigureOut">
               <a:rPr lang="de-AT" smtClean="0"/>
-              <a:t>14.09.2015</a:t>
+              <a:t>21.09.2015</a:t>
             </a:fld>
             <a:endParaRPr lang="de-AT"/>
           </a:p>
@@ -4106,7 +4106,7 @@
           <a:p>
             <a:fld id="{08B69050-4C52-40DC-A6C3-DE19261D3078}" type="datetimeFigureOut">
               <a:rPr lang="de-AT" smtClean="0"/>
-              <a:t>14.09.2015</a:t>
+              <a:t>21.09.2015</a:t>
             </a:fld>
             <a:endParaRPr lang="de-AT"/>
           </a:p>
@@ -4352,7 +4352,7 @@
           <a:p>
             <a:fld id="{08B69050-4C52-40DC-A6C3-DE19261D3078}" type="datetimeFigureOut">
               <a:rPr lang="de-AT" smtClean="0"/>
-              <a:t>14.09.2015</a:t>
+              <a:t>21.09.2015</a:t>
             </a:fld>
             <a:endParaRPr lang="de-AT"/>
           </a:p>
@@ -4584,7 +4584,7 @@
           <a:p>
             <a:fld id="{08B69050-4C52-40DC-A6C3-DE19261D3078}" type="datetimeFigureOut">
               <a:rPr lang="de-AT" smtClean="0"/>
-              <a:t>14.09.2015</a:t>
+              <a:t>21.09.2015</a:t>
             </a:fld>
             <a:endParaRPr lang="de-AT"/>
           </a:p>
@@ -4951,7 +4951,7 @@
           <a:p>
             <a:fld id="{08B69050-4C52-40DC-A6C3-DE19261D3078}" type="datetimeFigureOut">
               <a:rPr lang="de-AT" smtClean="0"/>
-              <a:t>14.09.2015</a:t>
+              <a:t>21.09.2015</a:t>
             </a:fld>
             <a:endParaRPr lang="de-AT"/>
           </a:p>
@@ -5069,7 +5069,7 @@
           <a:p>
             <a:fld id="{08B69050-4C52-40DC-A6C3-DE19261D3078}" type="datetimeFigureOut">
               <a:rPr lang="de-AT" smtClean="0"/>
-              <a:t>14.09.2015</a:t>
+              <a:t>21.09.2015</a:t>
             </a:fld>
             <a:endParaRPr lang="de-AT"/>
           </a:p>
@@ -5164,7 +5164,7 @@
           <a:p>
             <a:fld id="{08B69050-4C52-40DC-A6C3-DE19261D3078}" type="datetimeFigureOut">
               <a:rPr lang="de-AT" smtClean="0"/>
-              <a:t>14.09.2015</a:t>
+              <a:t>21.09.2015</a:t>
             </a:fld>
             <a:endParaRPr lang="de-AT"/>
           </a:p>
@@ -5441,7 +5441,7 @@
           <a:p>
             <a:fld id="{08B69050-4C52-40DC-A6C3-DE19261D3078}" type="datetimeFigureOut">
               <a:rPr lang="de-AT" smtClean="0"/>
-              <a:t>14.09.2015</a:t>
+              <a:t>21.09.2015</a:t>
             </a:fld>
             <a:endParaRPr lang="de-AT"/>
           </a:p>
@@ -5694,7 +5694,7 @@
           <a:p>
             <a:fld id="{08B69050-4C52-40DC-A6C3-DE19261D3078}" type="datetimeFigureOut">
               <a:rPr lang="de-AT" smtClean="0"/>
-              <a:t>14.09.2015</a:t>
+              <a:t>21.09.2015</a:t>
             </a:fld>
             <a:endParaRPr lang="de-AT"/>
           </a:p>
@@ -5907,7 +5907,7 @@
           <a:p>
             <a:fld id="{08B69050-4C52-40DC-A6C3-DE19261D3078}" type="datetimeFigureOut">
               <a:rPr lang="de-AT" smtClean="0"/>
-              <a:t>14.09.2015</a:t>
+              <a:t>21.09.2015</a:t>
             </a:fld>
             <a:endParaRPr lang="de-AT"/>
           </a:p>
@@ -8571,6 +8571,13 @@
           <a:prstGeom prst="rect">
             <a:avLst/>
           </a:prstGeom>
+          <a:ln w="57150">
+            <a:solidFill>
+              <a:schemeClr val="accent1">
+                <a:lumMod val="75000"/>
+              </a:schemeClr>
+            </a:solidFill>
+          </a:ln>
         </p:spPr>
         <p:style>
           <a:lnRef idx="1">
@@ -8647,6 +8654,11 @@
           <a:prstGeom prst="rect">
             <a:avLst/>
           </a:prstGeom>
+          <a:ln w="57150">
+            <a:solidFill>
+              <a:srgbClr val="C00000"/>
+            </a:solidFill>
+          </a:ln>
         </p:spPr>
         <p:style>
           <a:lnRef idx="1">
@@ -9631,7 +9643,7 @@
         <p:spPr>
           <a:xfrm>
             <a:off x="981075" y="2397859"/>
-            <a:ext cx="3019425" cy="326371"/>
+            <a:ext cx="3019425" cy="557204"/>
           </a:xfrm>
           <a:prstGeom prst="rect">
             <a:avLst/>
@@ -9653,6 +9665,18 @@
               <a:rPr lang="en-GB" b="1" dirty="0" smtClean="0"/>
               <a:t>Particle filter</a:t>
             </a:r>
+          </a:p>
+          <a:p>
+            <a:pPr algn="ctr">
+              <a:lnSpc>
+                <a:spcPts val="1800"/>
+              </a:lnSpc>
+            </a:pPr>
+            <a:r>
+              <a:rPr lang="de-AT" dirty="0" smtClean="0"/>
+              <a:t>with rejection sampling</a:t>
+            </a:r>
+            <a:endParaRPr lang="en-GB" dirty="0" smtClean="0"/>
           </a:p>
         </p:txBody>
       </p:sp>
